--- a/XML Serialization.pptx
+++ b/XML Serialization.pptx
@@ -397,7 +397,7 @@
             <a:fld id="{9D21D778-B565-4D7E-94D7-64010A445B68}" type="datetimeFigureOut">
               <a:rPr lang="en-US" smtClean="0"/>
               <a:pPr/>
-              <a:t>11-Mar-14</a:t>
+              <a:t>4/19/2019</a:t>
             </a:fld>
             <a:endParaRPr lang="en-US"/>
           </a:p>
@@ -798,7 +798,7 @@
             <a:fld id="{9D21D778-B565-4D7E-94D7-64010A445B68}" type="datetimeFigureOut">
               <a:rPr lang="en-US" smtClean="0"/>
               <a:pPr/>
-              <a:t>11-Mar-14</a:t>
+              <a:t>4/19/2019</a:t>
             </a:fld>
             <a:endParaRPr lang="en-US"/>
           </a:p>
@@ -1333,7 +1333,7 @@
             <a:fld id="{9D21D778-B565-4D7E-94D7-64010A445B68}" type="datetimeFigureOut">
               <a:rPr lang="en-US" smtClean="0"/>
               <a:pPr/>
-              <a:t>11-Mar-14</a:t>
+              <a:t>4/19/2019</a:t>
             </a:fld>
             <a:endParaRPr lang="en-US"/>
           </a:p>
@@ -1467,7 +1467,7 @@
             <a:fld id="{9D21D778-B565-4D7E-94D7-64010A445B68}" type="datetimeFigureOut">
               <a:rPr lang="en-US" smtClean="0"/>
               <a:pPr/>
-              <a:t>11-Mar-14</a:t>
+              <a:t>4/19/2019</a:t>
             </a:fld>
             <a:endParaRPr lang="en-US"/>
           </a:p>
@@ -2012,7 +2012,7 @@
             <a:fld id="{9D21D778-B565-4D7E-94D7-64010A445B68}" type="datetimeFigureOut">
               <a:rPr lang="en-US" smtClean="0"/>
               <a:pPr/>
-              <a:t>11-Mar-14</a:t>
+              <a:t>4/19/2019</a:t>
             </a:fld>
             <a:endParaRPr lang="en-US"/>
           </a:p>
@@ -2315,7 +2315,7 @@
             <a:fld id="{9D21D778-B565-4D7E-94D7-64010A445B68}" type="datetimeFigureOut">
               <a:rPr lang="en-US" smtClean="0"/>
               <a:pPr/>
-              <a:t>11-Mar-14</a:t>
+              <a:t>4/19/2019</a:t>
             </a:fld>
             <a:endParaRPr lang="en-US"/>
           </a:p>
@@ -2976,7 +2976,7 @@
             <a:fld id="{9D21D778-B565-4D7E-94D7-64010A445B68}" type="datetimeFigureOut">
               <a:rPr lang="en-US" smtClean="0"/>
               <a:pPr/>
-              <a:t>11-Mar-14</a:t>
+              <a:t>4/19/2019</a:t>
             </a:fld>
             <a:endParaRPr lang="en-US"/>
           </a:p>
@@ -3415,7 +3415,7 @@
             <a:fld id="{9D21D778-B565-4D7E-94D7-64010A445B68}" type="datetimeFigureOut">
               <a:rPr lang="en-US" smtClean="0"/>
               <a:pPr/>
-              <a:t>11-Mar-14</a:t>
+              <a:t>4/19/2019</a:t>
             </a:fld>
             <a:endParaRPr lang="en-US"/>
           </a:p>
@@ -3730,7 +3730,7 @@
             <a:fld id="{9D21D778-B565-4D7E-94D7-64010A445B68}" type="datetimeFigureOut">
               <a:rPr lang="en-US" smtClean="0"/>
               <a:pPr/>
-              <a:t>11-Mar-14</a:t>
+              <a:t>4/19/2019</a:t>
             </a:fld>
             <a:endParaRPr lang="en-US"/>
           </a:p>
@@ -4475,7 +4475,7 @@
             <a:fld id="{9D21D778-B565-4D7E-94D7-64010A445B68}" type="datetimeFigureOut">
               <a:rPr lang="en-US" smtClean="0"/>
               <a:pPr/>
-              <a:t>11-Mar-14</a:t>
+              <a:t>4/19/2019</a:t>
             </a:fld>
             <a:endParaRPr lang="en-US"/>
           </a:p>
@@ -5141,7 +5141,7 @@
             <a:fld id="{9D21D778-B565-4D7E-94D7-64010A445B68}" type="datetimeFigureOut">
               <a:rPr lang="en-US" smtClean="0"/>
               <a:pPr/>
-              <a:t>11-Mar-14</a:t>
+              <a:t>4/19/2019</a:t>
             </a:fld>
             <a:endParaRPr lang="en-US" dirty="0"/>
           </a:p>
@@ -5416,7 +5416,7 @@
             <a:fld id="{9D21D778-B565-4D7E-94D7-64010A445B68}" type="datetimeFigureOut">
               <a:rPr lang="en-US" smtClean="0"/>
               <a:pPr algn="r" eaLnBrk="1" latinLnBrk="0" hangingPunct="1"/>
-              <a:t>11-Mar-14</a:t>
+              <a:t>4/19/2019</a:t>
             </a:fld>
             <a:endParaRPr lang="en-US" sz="1400" dirty="0">
               <a:solidFill>
@@ -6155,58 +6155,12 @@
                 <a:latin typeface="Aharoni" panose="02010803020104030203" pitchFamily="2" charset="-79"/>
                 <a:cs typeface="Aharoni" panose="02010803020104030203" pitchFamily="2" charset="-79"/>
               </a:rPr>
-              <a:t>XML </a:t>
-            </a:r>
-            <a:r>
-              <a:rPr lang="en-US" dirty="0" smtClean="0">
-                <a:latin typeface="Aharoni" panose="02010803020104030203" pitchFamily="2" charset="-79"/>
-                <a:cs typeface="Aharoni" panose="02010803020104030203" pitchFamily="2" charset="-79"/>
-              </a:rPr>
-              <a:t>Serialization</a:t>
+              <a:t>XML Serialization</a:t>
             </a:r>
             <a:endParaRPr lang="en-US" dirty="0">
               <a:latin typeface="Aharoni" panose="02010803020104030203" pitchFamily="2" charset="-79"/>
               <a:cs typeface="Aharoni" panose="02010803020104030203" pitchFamily="2" charset="-79"/>
             </a:endParaRPr>
-          </a:p>
-        </p:txBody>
-      </p:sp>
-      <p:sp>
-        <p:nvSpPr>
-          <p:cNvPr id="4" name="TextBox 3"/>
-          <p:cNvSpPr txBox="1"/>
-          <p:nvPr/>
-        </p:nvSpPr>
-        <p:spPr>
-          <a:xfrm>
-            <a:off x="6248400" y="5181600"/>
-            <a:ext cx="2743200" cy="646331"/>
-          </a:xfrm>
-          <a:prstGeom prst="rect">
-            <a:avLst/>
-          </a:prstGeom>
-          <a:noFill/>
-        </p:spPr>
-        <p:txBody>
-          <a:bodyPr wrap="square" rtlCol="0">
-            <a:spAutoFit/>
-          </a:bodyPr>
-          <a:lstStyle/>
-          <a:p>
-            <a:r>
-              <a:rPr lang="en-US" dirty="0" smtClean="0"/>
-              <a:t>Presented by:</a:t>
-            </a:r>
-          </a:p>
-          <a:p>
-            <a:r>
-              <a:rPr lang="en-US" dirty="0" err="1" smtClean="0"/>
-              <a:t>Shashwata</a:t>
-            </a:r>
-            <a:r>
-              <a:rPr lang="en-US" dirty="0" smtClean="0"/>
-              <a:t> Singh</a:t>
-            </a:r>
           </a:p>
         </p:txBody>
       </p:sp>
@@ -6419,7 +6373,7 @@
     </p:spTree>
     <p:extLst>
       <p:ext uri="{BB962C8B-B14F-4D97-AF65-F5344CB8AC3E}">
-        <p14:creationId xmlns:p14="http://schemas.microsoft.com/office/powerpoint/2010/main" xmlns="" val="549363320"/>
+        <p14:creationId xmlns:p14="http://schemas.microsoft.com/office/powerpoint/2010/main" val="549363320"/>
       </p:ext>
     </p:extLst>
   </p:cSld>
@@ -7223,7 +7177,7 @@
           <a:blip r:embed="rId2" cstate="print">
             <a:extLst>
               <a:ext uri="{28A0092B-C50C-407E-A947-70E740481C1C}">
-                <a14:useLocalDpi xmlns:a14="http://schemas.microsoft.com/office/drawing/2010/main" xmlns="" val="0"/>
+                <a14:useLocalDpi xmlns:a14="http://schemas.microsoft.com/office/drawing/2010/main" val="0"/>
               </a:ext>
             </a:extLst>
           </a:blip>
@@ -7246,14 +7200,14 @@
           </a:ln>
           <a:extLst>
             <a:ext uri="{909E8E84-426E-40DD-AFC4-6F175D3DCCD1}">
-              <a14:hiddenFill xmlns:a14="http://schemas.microsoft.com/office/drawing/2010/main" xmlns="">
+              <a14:hiddenFill xmlns:a14="http://schemas.microsoft.com/office/drawing/2010/main">
                 <a:solidFill>
                   <a:schemeClr val="accent1"/>
                 </a:solidFill>
               </a14:hiddenFill>
             </a:ext>
             <a:ext uri="{91240B29-F687-4F45-9708-019B960494DF}">
-              <a14:hiddenLine xmlns:a14="http://schemas.microsoft.com/office/drawing/2010/main" xmlns="" w="9525">
+              <a14:hiddenLine xmlns:a14="http://schemas.microsoft.com/office/drawing/2010/main" w="9525">
                 <a:solidFill>
                   <a:schemeClr val="tx1"/>
                 </a:solidFill>
@@ -7364,7 +7318,7 @@
           <a:blip r:embed="rId2" cstate="print">
             <a:extLst>
               <a:ext uri="{28A0092B-C50C-407E-A947-70E740481C1C}">
-                <a14:useLocalDpi xmlns:a14="http://schemas.microsoft.com/office/drawing/2010/main" xmlns="" val="0"/>
+                <a14:useLocalDpi xmlns:a14="http://schemas.microsoft.com/office/drawing/2010/main" val="0"/>
               </a:ext>
             </a:extLst>
           </a:blip>
@@ -7387,14 +7341,14 @@
           </a:ln>
           <a:extLst>
             <a:ext uri="{909E8E84-426E-40DD-AFC4-6F175D3DCCD1}">
-              <a14:hiddenFill xmlns:a14="http://schemas.microsoft.com/office/drawing/2010/main" xmlns="">
+              <a14:hiddenFill xmlns:a14="http://schemas.microsoft.com/office/drawing/2010/main">
                 <a:solidFill>
                   <a:schemeClr val="accent1"/>
                 </a:solidFill>
               </a14:hiddenFill>
             </a:ext>
             <a:ext uri="{91240B29-F687-4F45-9708-019B960494DF}">
-              <a14:hiddenLine xmlns:a14="http://schemas.microsoft.com/office/drawing/2010/main" xmlns="" w="9525">
+              <a14:hiddenLine xmlns:a14="http://schemas.microsoft.com/office/drawing/2010/main" w="9525">
                 <a:solidFill>
                   <a:schemeClr val="tx1"/>
                 </a:solidFill>
@@ -7418,7 +7372,7 @@
           <a:blip r:embed="rId3" cstate="print">
             <a:extLst>
               <a:ext uri="{28A0092B-C50C-407E-A947-70E740481C1C}">
-                <a14:useLocalDpi xmlns:a14="http://schemas.microsoft.com/office/drawing/2010/main" xmlns="" val="0"/>
+                <a14:useLocalDpi xmlns:a14="http://schemas.microsoft.com/office/drawing/2010/main" val="0"/>
               </a:ext>
             </a:extLst>
           </a:blip>
@@ -7441,14 +7395,14 @@
           </a:ln>
           <a:extLst>
             <a:ext uri="{909E8E84-426E-40DD-AFC4-6F175D3DCCD1}">
-              <a14:hiddenFill xmlns:a14="http://schemas.microsoft.com/office/drawing/2010/main" xmlns="">
+              <a14:hiddenFill xmlns:a14="http://schemas.microsoft.com/office/drawing/2010/main">
                 <a:solidFill>
                   <a:schemeClr val="accent1"/>
                 </a:solidFill>
               </a14:hiddenFill>
             </a:ext>
             <a:ext uri="{91240B29-F687-4F45-9708-019B960494DF}">
-              <a14:hiddenLine xmlns:a14="http://schemas.microsoft.com/office/drawing/2010/main" xmlns="" w="9525">
+              <a14:hiddenLine xmlns:a14="http://schemas.microsoft.com/office/drawing/2010/main" w="9525">
                 <a:solidFill>
                   <a:schemeClr val="tx1"/>
                 </a:solidFill>
@@ -7463,7 +7417,7 @@
     </p:spTree>
     <p:extLst>
       <p:ext uri="{BB962C8B-B14F-4D97-AF65-F5344CB8AC3E}">
-        <p14:creationId xmlns:p14="http://schemas.microsoft.com/office/powerpoint/2010/main" xmlns="" val="3677072837"/>
+        <p14:creationId xmlns:p14="http://schemas.microsoft.com/office/powerpoint/2010/main" val="3677072837"/>
       </p:ext>
     </p:extLst>
   </p:cSld>
@@ -7551,7 +7505,7 @@
           <a:blip r:embed="rId2" cstate="print">
             <a:extLst>
               <a:ext uri="{28A0092B-C50C-407E-A947-70E740481C1C}">
-                <a14:useLocalDpi xmlns:a14="http://schemas.microsoft.com/office/drawing/2010/main" xmlns="" val="0"/>
+                <a14:useLocalDpi xmlns:a14="http://schemas.microsoft.com/office/drawing/2010/main" val="0"/>
               </a:ext>
             </a:extLst>
           </a:blip>
@@ -7574,14 +7528,14 @@
           </a:ln>
           <a:extLst>
             <a:ext uri="{909E8E84-426E-40DD-AFC4-6F175D3DCCD1}">
-              <a14:hiddenFill xmlns:a14="http://schemas.microsoft.com/office/drawing/2010/main" xmlns="">
+              <a14:hiddenFill xmlns:a14="http://schemas.microsoft.com/office/drawing/2010/main">
                 <a:solidFill>
                   <a:schemeClr val="accent1"/>
                 </a:solidFill>
               </a14:hiddenFill>
             </a:ext>
             <a:ext uri="{91240B29-F687-4F45-9708-019B960494DF}">
-              <a14:hiddenLine xmlns:a14="http://schemas.microsoft.com/office/drawing/2010/main" xmlns="" w="9525">
+              <a14:hiddenLine xmlns:a14="http://schemas.microsoft.com/office/drawing/2010/main" w="9525">
                 <a:solidFill>
                   <a:schemeClr val="tx1"/>
                 </a:solidFill>
@@ -7596,7 +7550,7 @@
     </p:spTree>
     <p:extLst>
       <p:ext uri="{BB962C8B-B14F-4D97-AF65-F5344CB8AC3E}">
-        <p14:creationId xmlns:p14="http://schemas.microsoft.com/office/powerpoint/2010/main" xmlns="" val="3972724978"/>
+        <p14:creationId xmlns:p14="http://schemas.microsoft.com/office/powerpoint/2010/main" val="3972724978"/>
       </p:ext>
     </p:extLst>
   </p:cSld>
